--- a/groupDocuments/movie tracker presentation.pptx
+++ b/groupDocuments/movie tracker presentation.pptx
@@ -8450,10 +8450,10 @@
       </p:grpSpPr>
       <p:sp>
         <p:nvSpPr>
-          <p:cNvPr id="20" name="Rectangle 15">
+          <p:cNvPr id="26" name="Rectangle 25">
             <a:extLst>
               <a:ext uri="{FF2B5EF4-FFF2-40B4-BE49-F238E27FC236}">
-                <a16:creationId xmlns:a16="http://schemas.microsoft.com/office/drawing/2014/main" id="{C5E6CFF1-2F42-4E10-9A97-F116F46F53FE}"/>
+                <a16:creationId xmlns:a16="http://schemas.microsoft.com/office/drawing/2014/main" id="{3DC28794-3B89-462C-BE95-927A51D7D219}"/>
               </a:ext>
               <a:ext uri="{C183D7F6-B498-43B3-948B-1728B52AA6E4}">
                 <adec:decorative xmlns:adec="http://schemas.microsoft.com/office/drawing/2017/decorative" val="1"/>
@@ -8473,14 +8473,14 @@
         </p:nvSpPr>
         <p:spPr>
           <a:xfrm>
-            <a:off x="0" y="0"/>
-            <a:ext cx="12192000" cy="6858000"/>
+            <a:off x="3048" y="0"/>
+            <a:ext cx="12188952" cy="6858000"/>
           </a:xfrm>
           <a:prstGeom prst="rect">
             <a:avLst/>
           </a:prstGeom>
           <a:solidFill>
-            <a:srgbClr val="000000"/>
+            <a:schemeClr val="tx2"/>
           </a:solidFill>
           <a:ln>
             <a:noFill/>
@@ -8511,6 +8511,1026 @@
           </a:p>
         </p:txBody>
       </p:sp>
+      <p:sp>
+        <p:nvSpPr>
+          <p:cNvPr id="28" name="Rectangle 27">
+            <a:extLst>
+              <a:ext uri="{FF2B5EF4-FFF2-40B4-BE49-F238E27FC236}">
+                <a16:creationId xmlns:a16="http://schemas.microsoft.com/office/drawing/2014/main" id="{8BF1BF76-D9C8-49D3-9A7F-D43C497C3A82}"/>
+              </a:ext>
+              <a:ext uri="{C183D7F6-B498-43B3-948B-1728B52AA6E4}">
+                <adec:decorative xmlns:adec="http://schemas.microsoft.com/office/drawing/2017/decorative" val="1"/>
+              </a:ext>
+            </a:extLst>
+          </p:cNvPr>
+          <p:cNvSpPr>
+            <a:spLocks noGrp="1" noRot="1" noChangeAspect="1" noMove="1" noResize="1" noEditPoints="1" noAdjustHandles="1" noChangeArrowheads="1" noChangeShapeType="1" noTextEdit="1"/>
+          </p:cNvSpPr>
+          <p:nvPr>
+            <p:extLst>
+              <p:ext uri="{386F3935-93C4-4BCD-93E2-E3B085C9AB24}">
+                <p16:designElem xmlns:p16="http://schemas.microsoft.com/office/powerpoint/2015/main" val="1"/>
+              </p:ext>
+            </p:extLst>
+          </p:nvPr>
+        </p:nvSpPr>
+        <p:spPr>
+          <a:xfrm>
+            <a:off x="0" y="0"/>
+            <a:ext cx="12188952" cy="6858000"/>
+          </a:xfrm>
+          <a:prstGeom prst="rect">
+            <a:avLst/>
+          </a:prstGeom>
+          <a:solidFill>
+            <a:schemeClr val="tx1">
+              <a:alpha val="53000"/>
+            </a:schemeClr>
+          </a:solidFill>
+          <a:ln>
+            <a:noFill/>
+          </a:ln>
+        </p:spPr>
+        <p:style>
+          <a:lnRef idx="2">
+            <a:schemeClr val="accent1">
+              <a:shade val="50000"/>
+            </a:schemeClr>
+          </a:lnRef>
+          <a:fillRef idx="1">
+            <a:schemeClr val="accent1"/>
+          </a:fillRef>
+          <a:effectRef idx="0">
+            <a:schemeClr val="accent1"/>
+          </a:effectRef>
+          <a:fontRef idx="minor">
+            <a:schemeClr val="lt1"/>
+          </a:fontRef>
+        </p:style>
+        <p:txBody>
+          <a:bodyPr rtlCol="0" anchor="ctr"/>
+          <a:lstStyle/>
+          <a:p>
+            <a:pPr algn="ctr"/>
+            <a:endParaRPr lang="en-US"/>
+          </a:p>
+        </p:txBody>
+      </p:sp>
+      <p:grpSp>
+        <p:nvGrpSpPr>
+          <p:cNvPr id="58" name="Group 29">
+            <a:extLst>
+              <a:ext uri="{FF2B5EF4-FFF2-40B4-BE49-F238E27FC236}">
+                <a16:creationId xmlns:a16="http://schemas.microsoft.com/office/drawing/2014/main" id="{A1725E28-0B8D-4475-B982-E917DD914AD2}"/>
+              </a:ext>
+              <a:ext uri="{C183D7F6-B498-43B3-948B-1728B52AA6E4}">
+                <adec:decorative xmlns:adec="http://schemas.microsoft.com/office/drawing/2017/decorative" val="1"/>
+              </a:ext>
+            </a:extLst>
+          </p:cNvPr>
+          <p:cNvGrpSpPr>
+            <a:grpSpLocks noGrp="1" noUngrp="1" noRot="1" noChangeAspect="1" noMove="1" noResize="1"/>
+          </p:cNvGrpSpPr>
+          <p:nvPr>
+            <p:extLst>
+              <p:ext uri="{386F3935-93C4-4BCD-93E2-E3B085C9AB24}">
+                <p16:designElem xmlns:p16="http://schemas.microsoft.com/office/powerpoint/2015/main" val="1"/>
+              </p:ext>
+            </p:extLst>
+          </p:nvPr>
+        </p:nvGrpSpPr>
+        <p:grpSpPr>
+          <a:xfrm>
+            <a:off x="1" y="2075420"/>
+            <a:ext cx="12048729" cy="4093306"/>
+            <a:chOff x="1" y="2075420"/>
+            <a:chExt cx="12048729" cy="4093306"/>
+          </a:xfrm>
+        </p:grpSpPr>
+        <p:sp>
+          <p:nvSpPr>
+            <p:cNvPr id="31" name="Oval 30">
+              <a:extLst>
+                <a:ext uri="{FF2B5EF4-FFF2-40B4-BE49-F238E27FC236}">
+                  <a16:creationId xmlns:a16="http://schemas.microsoft.com/office/drawing/2014/main" id="{86BBCC53-8CD7-412D-8B75-32746A401E07}"/>
+                </a:ext>
+                <a:ext uri="{C183D7F6-B498-43B3-948B-1728B52AA6E4}">
+                  <adec:decorative xmlns:adec="http://schemas.microsoft.com/office/drawing/2017/decorative" val="1"/>
+                </a:ext>
+              </a:extLst>
+            </p:cNvPr>
+            <p:cNvSpPr/>
+            <p:nvPr>
+              <p:extLst>
+                <p:ext uri="{386F3935-93C4-4BCD-93E2-E3B085C9AB24}">
+                  <p16:designElem xmlns:p16="http://schemas.microsoft.com/office/powerpoint/2015/main" val="1"/>
+                </p:ext>
+              </p:extLst>
+            </p:nvPr>
+          </p:nvSpPr>
+          <p:spPr>
+            <a:xfrm rot="4500000">
+              <a:off x="7942191" y="2507571"/>
+              <a:ext cx="3563871" cy="3563871"/>
+            </a:xfrm>
+            <a:prstGeom prst="ellipse">
+              <a:avLst/>
+            </a:prstGeom>
+            <a:noFill/>
+            <a:ln w="31750">
+              <a:gradFill>
+                <a:gsLst>
+                  <a:gs pos="0">
+                    <a:schemeClr val="tx2">
+                      <a:lumMod val="60000"/>
+                      <a:lumOff val="40000"/>
+                      <a:alpha val="10000"/>
+                    </a:schemeClr>
+                  </a:gs>
+                  <a:gs pos="100000">
+                    <a:schemeClr val="tx2">
+                      <a:lumMod val="50000"/>
+                      <a:alpha val="20000"/>
+                    </a:schemeClr>
+                  </a:gs>
+                </a:gsLst>
+                <a:lin ang="5400000" scaled="1"/>
+              </a:gradFill>
+              <a:prstDash val="sysDot"/>
+            </a:ln>
+          </p:spPr>
+          <p:style>
+            <a:lnRef idx="2">
+              <a:schemeClr val="accent1">
+                <a:shade val="50000"/>
+              </a:schemeClr>
+            </a:lnRef>
+            <a:fillRef idx="1">
+              <a:schemeClr val="accent1"/>
+            </a:fillRef>
+            <a:effectRef idx="0">
+              <a:schemeClr val="accent1"/>
+            </a:effectRef>
+            <a:fontRef idx="minor">
+              <a:schemeClr val="lt1"/>
+            </a:fontRef>
+          </p:style>
+          <p:txBody>
+            <a:bodyPr rtlCol="0" anchor="ctr"/>
+            <a:lstStyle/>
+            <a:p>
+              <a:pPr algn="ctr"/>
+              <a:endParaRPr lang="en-US"/>
+            </a:p>
+          </p:txBody>
+        </p:sp>
+        <p:sp>
+          <p:nvSpPr>
+            <p:cNvPr id="59" name="Oval 31">
+              <a:extLst>
+                <a:ext uri="{FF2B5EF4-FFF2-40B4-BE49-F238E27FC236}">
+                  <a16:creationId xmlns:a16="http://schemas.microsoft.com/office/drawing/2014/main" id="{D21CA390-7DB2-4336-AE30-D1245539B3EB}"/>
+                </a:ext>
+                <a:ext uri="{C183D7F6-B498-43B3-948B-1728B52AA6E4}">
+                  <adec:decorative xmlns:adec="http://schemas.microsoft.com/office/drawing/2017/decorative" val="1"/>
+                </a:ext>
+              </a:extLst>
+            </p:cNvPr>
+            <p:cNvSpPr/>
+            <p:nvPr>
+              <p:extLst>
+                <p:ext uri="{386F3935-93C4-4BCD-93E2-E3B085C9AB24}">
+                  <p16:designElem xmlns:p16="http://schemas.microsoft.com/office/powerpoint/2015/main" val="1"/>
+                </p:ext>
+              </p:extLst>
+            </p:nvPr>
+          </p:nvSpPr>
+          <p:spPr>
+            <a:xfrm rot="16200000">
+              <a:off x="10435065" y="4048931"/>
+              <a:ext cx="1381607" cy="1381607"/>
+            </a:xfrm>
+            <a:prstGeom prst="ellipse">
+              <a:avLst/>
+            </a:prstGeom>
+            <a:noFill/>
+            <a:ln w="31750">
+              <a:gradFill>
+                <a:gsLst>
+                  <a:gs pos="0">
+                    <a:schemeClr val="tx2">
+                      <a:lumMod val="60000"/>
+                      <a:lumOff val="40000"/>
+                      <a:alpha val="20000"/>
+                    </a:schemeClr>
+                  </a:gs>
+                  <a:gs pos="100000">
+                    <a:schemeClr val="tx2">
+                      <a:lumMod val="50000"/>
+                      <a:alpha val="20000"/>
+                    </a:schemeClr>
+                  </a:gs>
+                </a:gsLst>
+                <a:lin ang="5400000" scaled="1"/>
+              </a:gradFill>
+              <a:prstDash val="sysDot"/>
+            </a:ln>
+          </p:spPr>
+          <p:style>
+            <a:lnRef idx="2">
+              <a:schemeClr val="accent1">
+                <a:shade val="50000"/>
+              </a:schemeClr>
+            </a:lnRef>
+            <a:fillRef idx="1">
+              <a:schemeClr val="accent1"/>
+            </a:fillRef>
+            <a:effectRef idx="0">
+              <a:schemeClr val="accent1"/>
+            </a:effectRef>
+            <a:fontRef idx="minor">
+              <a:schemeClr val="lt1"/>
+            </a:fontRef>
+          </p:style>
+          <p:txBody>
+            <a:bodyPr rtlCol="0" anchor="ctr"/>
+            <a:lstStyle/>
+            <a:p>
+              <a:pPr algn="ctr"/>
+              <a:endParaRPr lang="en-US"/>
+            </a:p>
+          </p:txBody>
+        </p:sp>
+        <p:sp>
+          <p:nvSpPr>
+            <p:cNvPr id="33" name="Oval 32">
+              <a:extLst>
+                <a:ext uri="{FF2B5EF4-FFF2-40B4-BE49-F238E27FC236}">
+                  <a16:creationId xmlns:a16="http://schemas.microsoft.com/office/drawing/2014/main" id="{9AB142E3-1E67-41E6-BEF7-5DA0E1CAFD3E}"/>
+                </a:ext>
+                <a:ext uri="{C183D7F6-B498-43B3-948B-1728B52AA6E4}">
+                  <adec:decorative xmlns:adec="http://schemas.microsoft.com/office/drawing/2017/decorative" val="1"/>
+                </a:ext>
+              </a:extLst>
+            </p:cNvPr>
+            <p:cNvSpPr/>
+            <p:nvPr>
+              <p:extLst>
+                <p:ext uri="{386F3935-93C4-4BCD-93E2-E3B085C9AB24}">
+                  <p16:designElem xmlns:p16="http://schemas.microsoft.com/office/powerpoint/2015/main" val="1"/>
+                </p:ext>
+              </p:extLst>
+            </p:nvPr>
+          </p:nvSpPr>
+          <p:spPr>
+            <a:xfrm rot="16200000">
+              <a:off x="1" y="2075420"/>
+              <a:ext cx="3144364" cy="3144364"/>
+            </a:xfrm>
+            <a:prstGeom prst="ellipse">
+              <a:avLst/>
+            </a:prstGeom>
+            <a:gradFill>
+              <a:gsLst>
+                <a:gs pos="0">
+                  <a:schemeClr val="tx2">
+                    <a:lumMod val="75000"/>
+                    <a:alpha val="20000"/>
+                  </a:schemeClr>
+                </a:gs>
+                <a:gs pos="100000">
+                  <a:schemeClr val="tx2">
+                    <a:lumMod val="50000"/>
+                    <a:alpha val="10000"/>
+                  </a:schemeClr>
+                </a:gs>
+              </a:gsLst>
+              <a:lin ang="5400000" scaled="1"/>
+            </a:gradFill>
+            <a:ln>
+              <a:noFill/>
+            </a:ln>
+          </p:spPr>
+          <p:style>
+            <a:lnRef idx="2">
+              <a:schemeClr val="accent1">
+                <a:shade val="50000"/>
+              </a:schemeClr>
+            </a:lnRef>
+            <a:fillRef idx="1">
+              <a:schemeClr val="accent1"/>
+            </a:fillRef>
+            <a:effectRef idx="0">
+              <a:schemeClr val="accent1"/>
+            </a:effectRef>
+            <a:fontRef idx="minor">
+              <a:schemeClr val="lt1"/>
+            </a:fontRef>
+          </p:style>
+          <p:txBody>
+            <a:bodyPr rtlCol="0" anchor="ctr"/>
+            <a:lstStyle/>
+            <a:p>
+              <a:pPr algn="ctr"/>
+              <a:endParaRPr lang="en-US"/>
+            </a:p>
+          </p:txBody>
+        </p:sp>
+        <p:sp>
+          <p:nvSpPr>
+            <p:cNvPr id="34" name="Oval 33">
+              <a:extLst>
+                <a:ext uri="{FF2B5EF4-FFF2-40B4-BE49-F238E27FC236}">
+                  <a16:creationId xmlns:a16="http://schemas.microsoft.com/office/drawing/2014/main" id="{CC611634-74D3-41C3-917F-5A308A999FFB}"/>
+                </a:ext>
+                <a:ext uri="{C183D7F6-B498-43B3-948B-1728B52AA6E4}">
+                  <adec:decorative xmlns:adec="http://schemas.microsoft.com/office/drawing/2017/decorative" val="1"/>
+                </a:ext>
+              </a:extLst>
+            </p:cNvPr>
+            <p:cNvSpPr/>
+            <p:nvPr>
+              <p:extLst>
+                <p:ext uri="{386F3935-93C4-4BCD-93E2-E3B085C9AB24}">
+                  <p16:designElem xmlns:p16="http://schemas.microsoft.com/office/powerpoint/2015/main" val="1"/>
+                </p:ext>
+              </p:extLst>
+            </p:nvPr>
+          </p:nvSpPr>
+          <p:spPr>
+            <a:xfrm rot="12600000">
+              <a:off x="10150845" y="4270841"/>
+              <a:ext cx="1897885" cy="1897885"/>
+            </a:xfrm>
+            <a:prstGeom prst="ellipse">
+              <a:avLst/>
+            </a:prstGeom>
+            <a:gradFill>
+              <a:gsLst>
+                <a:gs pos="0">
+                  <a:schemeClr val="tx2">
+                    <a:lumMod val="75000"/>
+                    <a:alpha val="10000"/>
+                  </a:schemeClr>
+                </a:gs>
+                <a:gs pos="100000">
+                  <a:schemeClr val="tx2">
+                    <a:lumMod val="75000"/>
+                    <a:alpha val="20000"/>
+                  </a:schemeClr>
+                </a:gs>
+              </a:gsLst>
+              <a:lin ang="5400000" scaled="1"/>
+            </a:gradFill>
+            <a:ln>
+              <a:noFill/>
+            </a:ln>
+          </p:spPr>
+          <p:style>
+            <a:lnRef idx="2">
+              <a:schemeClr val="accent1">
+                <a:shade val="50000"/>
+              </a:schemeClr>
+            </a:lnRef>
+            <a:fillRef idx="1">
+              <a:schemeClr val="accent1"/>
+            </a:fillRef>
+            <a:effectRef idx="0">
+              <a:schemeClr val="accent1"/>
+            </a:effectRef>
+            <a:fontRef idx="minor">
+              <a:schemeClr val="lt1"/>
+            </a:fontRef>
+          </p:style>
+          <p:txBody>
+            <a:bodyPr rtlCol="0" anchor="ctr"/>
+            <a:lstStyle/>
+            <a:p>
+              <a:pPr algn="ctr"/>
+              <a:endParaRPr lang="en-US" dirty="0"/>
+            </a:p>
+          </p:txBody>
+        </p:sp>
+        <p:sp>
+          <p:nvSpPr>
+            <p:cNvPr id="35" name="Oval 34">
+              <a:extLst>
+                <a:ext uri="{FF2B5EF4-FFF2-40B4-BE49-F238E27FC236}">
+                  <a16:creationId xmlns:a16="http://schemas.microsoft.com/office/drawing/2014/main" id="{22E809DD-CC0A-433F-A107-37592CAC2096}"/>
+                </a:ext>
+                <a:ext uri="{C183D7F6-B498-43B3-948B-1728B52AA6E4}">
+                  <adec:decorative xmlns:adec="http://schemas.microsoft.com/office/drawing/2017/decorative" val="1"/>
+                </a:ext>
+              </a:extLst>
+            </p:cNvPr>
+            <p:cNvSpPr/>
+            <p:nvPr>
+              <p:extLst>
+                <p:ext uri="{386F3935-93C4-4BCD-93E2-E3B085C9AB24}">
+                  <p16:designElem xmlns:p16="http://schemas.microsoft.com/office/powerpoint/2015/main" val="1"/>
+                </p:ext>
+              </p:extLst>
+            </p:nvPr>
+          </p:nvSpPr>
+          <p:spPr>
+            <a:xfrm rot="4500000">
+              <a:off x="2046780" y="3040492"/>
+              <a:ext cx="2579322" cy="2579322"/>
+            </a:xfrm>
+            <a:prstGeom prst="ellipse">
+              <a:avLst/>
+            </a:prstGeom>
+            <a:noFill/>
+            <a:ln w="31750">
+              <a:gradFill>
+                <a:gsLst>
+                  <a:gs pos="0">
+                    <a:schemeClr val="tx2">
+                      <a:lumMod val="60000"/>
+                      <a:lumOff val="40000"/>
+                      <a:alpha val="20000"/>
+                    </a:schemeClr>
+                  </a:gs>
+                  <a:gs pos="100000">
+                    <a:schemeClr val="tx2">
+                      <a:lumMod val="50000"/>
+                      <a:alpha val="20000"/>
+                    </a:schemeClr>
+                  </a:gs>
+                </a:gsLst>
+                <a:lin ang="5400000" scaled="1"/>
+              </a:gradFill>
+              <a:prstDash val="sysDot"/>
+            </a:ln>
+          </p:spPr>
+          <p:style>
+            <a:lnRef idx="2">
+              <a:schemeClr val="accent1">
+                <a:shade val="50000"/>
+              </a:schemeClr>
+            </a:lnRef>
+            <a:fillRef idx="1">
+              <a:schemeClr val="accent1"/>
+            </a:fillRef>
+            <a:effectRef idx="0">
+              <a:schemeClr val="accent1"/>
+            </a:effectRef>
+            <a:fontRef idx="minor">
+              <a:schemeClr val="lt1"/>
+            </a:fontRef>
+          </p:style>
+          <p:txBody>
+            <a:bodyPr rtlCol="0" anchor="ctr"/>
+            <a:lstStyle/>
+            <a:p>
+              <a:pPr algn="ctr"/>
+              <a:endParaRPr lang="en-US"/>
+            </a:p>
+          </p:txBody>
+        </p:sp>
+        <p:sp>
+          <p:nvSpPr>
+            <p:cNvPr id="36" name="Oval 35">
+              <a:extLst>
+                <a:ext uri="{FF2B5EF4-FFF2-40B4-BE49-F238E27FC236}">
+                  <a16:creationId xmlns:a16="http://schemas.microsoft.com/office/drawing/2014/main" id="{3EAA5E36-771E-4967-AE44-53BC6682FBF1}"/>
+                </a:ext>
+                <a:ext uri="{C183D7F6-B498-43B3-948B-1728B52AA6E4}">
+                  <adec:decorative xmlns:adec="http://schemas.microsoft.com/office/drawing/2017/decorative" val="1"/>
+                </a:ext>
+              </a:extLst>
+            </p:cNvPr>
+            <p:cNvSpPr/>
+            <p:nvPr>
+              <p:extLst>
+                <p:ext uri="{386F3935-93C4-4BCD-93E2-E3B085C9AB24}">
+                  <p16:designElem xmlns:p16="http://schemas.microsoft.com/office/powerpoint/2015/main" val="1"/>
+                </p:ext>
+              </p:extLst>
+            </p:nvPr>
+          </p:nvSpPr>
+          <p:spPr>
+            <a:xfrm rot="4500000">
+              <a:off x="2224640" y="3193975"/>
+              <a:ext cx="2243193" cy="2243193"/>
+            </a:xfrm>
+            <a:prstGeom prst="ellipse">
+              <a:avLst/>
+            </a:prstGeom>
+            <a:noFill/>
+            <a:ln w="31750">
+              <a:gradFill>
+                <a:gsLst>
+                  <a:gs pos="0">
+                    <a:schemeClr val="tx2">
+                      <a:lumMod val="60000"/>
+                      <a:lumOff val="40000"/>
+                      <a:alpha val="10000"/>
+                    </a:schemeClr>
+                  </a:gs>
+                  <a:gs pos="100000">
+                    <a:schemeClr val="tx2">
+                      <a:lumMod val="50000"/>
+                      <a:alpha val="10000"/>
+                    </a:schemeClr>
+                  </a:gs>
+                </a:gsLst>
+                <a:lin ang="5400000" scaled="1"/>
+              </a:gradFill>
+            </a:ln>
+          </p:spPr>
+          <p:style>
+            <a:lnRef idx="2">
+              <a:schemeClr val="accent1">
+                <a:shade val="50000"/>
+              </a:schemeClr>
+            </a:lnRef>
+            <a:fillRef idx="1">
+              <a:schemeClr val="accent1"/>
+            </a:fillRef>
+            <a:effectRef idx="0">
+              <a:schemeClr val="accent1"/>
+            </a:effectRef>
+            <a:fontRef idx="minor">
+              <a:schemeClr val="lt1"/>
+            </a:fontRef>
+          </p:style>
+          <p:txBody>
+            <a:bodyPr rtlCol="0" anchor="ctr"/>
+            <a:lstStyle/>
+            <a:p>
+              <a:pPr algn="ctr"/>
+              <a:endParaRPr lang="en-US"/>
+            </a:p>
+          </p:txBody>
+        </p:sp>
+      </p:grpSp>
+      <p:sp>
+        <p:nvSpPr>
+          <p:cNvPr id="38" name="Rectangle 37">
+            <a:extLst>
+              <a:ext uri="{FF2B5EF4-FFF2-40B4-BE49-F238E27FC236}">
+                <a16:creationId xmlns:a16="http://schemas.microsoft.com/office/drawing/2014/main" id="{59E7F326-090A-45F0-9F6C-D98AF5160A77}"/>
+              </a:ext>
+              <a:ext uri="{C183D7F6-B498-43B3-948B-1728B52AA6E4}">
+                <adec:decorative xmlns:adec="http://schemas.microsoft.com/office/drawing/2017/decorative" val="1"/>
+              </a:ext>
+            </a:extLst>
+          </p:cNvPr>
+          <p:cNvSpPr>
+            <a:spLocks noGrp="1" noRot="1" noChangeAspect="1" noMove="1" noResize="1" noEditPoints="1" noAdjustHandles="1" noChangeArrowheads="1" noChangeShapeType="1" noTextEdit="1"/>
+          </p:cNvSpPr>
+          <p:nvPr>
+            <p:extLst>
+              <p:ext uri="{386F3935-93C4-4BCD-93E2-E3B085C9AB24}">
+                <p16:designElem xmlns:p16="http://schemas.microsoft.com/office/powerpoint/2015/main" val="1"/>
+              </p:ext>
+            </p:extLst>
+          </p:nvPr>
+        </p:nvSpPr>
+        <p:spPr>
+          <a:xfrm rot="16200000">
+            <a:off x="10438146" y="1042605"/>
+            <a:ext cx="2796461" cy="711252"/>
+          </a:xfrm>
+          <a:prstGeom prst="rect">
+            <a:avLst/>
+          </a:prstGeom>
+          <a:gradFill flip="none" rotWithShape="1">
+            <a:gsLst>
+              <a:gs pos="0">
+                <a:schemeClr val="tx2">
+                  <a:lumMod val="40000"/>
+                  <a:lumOff val="60000"/>
+                  <a:alpha val="0"/>
+                </a:schemeClr>
+              </a:gs>
+              <a:gs pos="100000">
+                <a:schemeClr val="tx2">
+                  <a:lumMod val="75000"/>
+                  <a:alpha val="10000"/>
+                </a:schemeClr>
+              </a:gs>
+            </a:gsLst>
+            <a:lin ang="8400000" scaled="0"/>
+            <a:tileRect/>
+          </a:gradFill>
+          <a:ln>
+            <a:noFill/>
+          </a:ln>
+        </p:spPr>
+        <p:style>
+          <a:lnRef idx="2">
+            <a:schemeClr val="accent1">
+              <a:shade val="50000"/>
+            </a:schemeClr>
+          </a:lnRef>
+          <a:fillRef idx="1">
+            <a:schemeClr val="accent1"/>
+          </a:fillRef>
+          <a:effectRef idx="0">
+            <a:schemeClr val="accent1"/>
+          </a:effectRef>
+          <a:fontRef idx="minor">
+            <a:schemeClr val="lt1"/>
+          </a:fontRef>
+        </p:style>
+        <p:txBody>
+          <a:bodyPr rtlCol="0" anchor="ctr"/>
+          <a:lstStyle/>
+          <a:p>
+            <a:pPr algn="ctr"/>
+            <a:endParaRPr lang="en-US"/>
+          </a:p>
+        </p:txBody>
+      </p:sp>
+      <p:sp>
+        <p:nvSpPr>
+          <p:cNvPr id="40" name="Rectangle 39">
+            <a:extLst>
+              <a:ext uri="{FF2B5EF4-FFF2-40B4-BE49-F238E27FC236}">
+                <a16:creationId xmlns:a16="http://schemas.microsoft.com/office/drawing/2014/main" id="{DF20FE9C-08B6-451E-BEDA-401A81BD4F2F}"/>
+              </a:ext>
+              <a:ext uri="{C183D7F6-B498-43B3-948B-1728B52AA6E4}">
+                <adec:decorative xmlns:adec="http://schemas.microsoft.com/office/drawing/2017/decorative" val="1"/>
+              </a:ext>
+            </a:extLst>
+          </p:cNvPr>
+          <p:cNvSpPr>
+            <a:spLocks noGrp="1" noRot="1" noChangeAspect="1" noMove="1" noResize="1" noEditPoints="1" noAdjustHandles="1" noChangeArrowheads="1" noChangeShapeType="1" noTextEdit="1"/>
+          </p:cNvSpPr>
+          <p:nvPr>
+            <p:extLst>
+              <p:ext uri="{386F3935-93C4-4BCD-93E2-E3B085C9AB24}">
+                <p16:designElem xmlns:p16="http://schemas.microsoft.com/office/powerpoint/2015/main" val="1"/>
+              </p:ext>
+            </p:extLst>
+          </p:nvPr>
+        </p:nvSpPr>
+        <p:spPr>
+          <a:xfrm rot="10800000">
+            <a:off x="-1" y="6140785"/>
+            <a:ext cx="6095997" cy="711252"/>
+          </a:xfrm>
+          <a:prstGeom prst="rect">
+            <a:avLst/>
+          </a:prstGeom>
+          <a:gradFill flip="none" rotWithShape="1">
+            <a:gsLst>
+              <a:gs pos="10000">
+                <a:schemeClr val="tx2">
+                  <a:lumMod val="50000"/>
+                  <a:alpha val="10000"/>
+                </a:schemeClr>
+              </a:gs>
+              <a:gs pos="100000">
+                <a:schemeClr val="tx2">
+                  <a:lumMod val="60000"/>
+                  <a:lumOff val="40000"/>
+                  <a:alpha val="0"/>
+                </a:schemeClr>
+              </a:gs>
+            </a:gsLst>
+            <a:lin ang="8400000" scaled="0"/>
+            <a:tileRect/>
+          </a:gradFill>
+          <a:ln>
+            <a:noFill/>
+          </a:ln>
+        </p:spPr>
+        <p:style>
+          <a:lnRef idx="2">
+            <a:schemeClr val="accent1">
+              <a:shade val="50000"/>
+            </a:schemeClr>
+          </a:lnRef>
+          <a:fillRef idx="1">
+            <a:schemeClr val="accent1"/>
+          </a:fillRef>
+          <a:effectRef idx="0">
+            <a:schemeClr val="accent1"/>
+          </a:effectRef>
+          <a:fontRef idx="minor">
+            <a:schemeClr val="lt1"/>
+          </a:fontRef>
+        </p:style>
+        <p:txBody>
+          <a:bodyPr rtlCol="0" anchor="ctr"/>
+          <a:lstStyle/>
+          <a:p>
+            <a:pPr algn="ctr"/>
+            <a:endParaRPr lang="en-US"/>
+          </a:p>
+        </p:txBody>
+      </p:sp>
+      <p:grpSp>
+        <p:nvGrpSpPr>
+          <p:cNvPr id="42" name="Group 41">
+            <a:extLst>
+              <a:ext uri="{FF2B5EF4-FFF2-40B4-BE49-F238E27FC236}">
+                <a16:creationId xmlns:a16="http://schemas.microsoft.com/office/drawing/2014/main" id="{80864D66-4BEF-4628-B9DC-C382A4BC26FB}"/>
+              </a:ext>
+              <a:ext uri="{C183D7F6-B498-43B3-948B-1728B52AA6E4}">
+                <adec:decorative xmlns:adec="http://schemas.microsoft.com/office/drawing/2017/decorative" val="1"/>
+              </a:ext>
+            </a:extLst>
+          </p:cNvPr>
+          <p:cNvGrpSpPr>
+            <a:grpSpLocks noGrp="1" noUngrp="1" noRot="1" noChangeAspect="1" noMove="1" noResize="1"/>
+          </p:cNvGrpSpPr>
+          <p:nvPr>
+            <p:extLst>
+              <p:ext uri="{386F3935-93C4-4BCD-93E2-E3B085C9AB24}">
+                <p16:designElem xmlns:p16="http://schemas.microsoft.com/office/powerpoint/2015/main" val="1"/>
+              </p:ext>
+            </p:extLst>
+          </p:nvPr>
+        </p:nvGrpSpPr>
+        <p:grpSpPr>
+          <a:xfrm rot="5400000">
+            <a:off x="616345" y="5940560"/>
+            <a:ext cx="1285875" cy="549007"/>
+            <a:chOff x="7029447" y="3514725"/>
+            <a:chExt cx="1285875" cy="549007"/>
+          </a:xfrm>
+        </p:grpSpPr>
+        <p:cxnSp>
+          <p:nvCxnSpPr>
+            <p:cNvPr id="43" name="Straight Connector 42">
+              <a:extLst>
+                <a:ext uri="{FF2B5EF4-FFF2-40B4-BE49-F238E27FC236}">
+                  <a16:creationId xmlns:a16="http://schemas.microsoft.com/office/drawing/2014/main" id="{B8473175-583C-4362-AD52-6A416874510B}"/>
+                </a:ext>
+                <a:ext uri="{C183D7F6-B498-43B3-948B-1728B52AA6E4}">
+                  <adec:decorative xmlns:adec="http://schemas.microsoft.com/office/drawing/2017/decorative" val="1"/>
+                </a:ext>
+              </a:extLst>
+            </p:cNvPr>
+            <p:cNvCxnSpPr>
+              <a:cxnSpLocks/>
+            </p:cNvCxnSpPr>
+            <p:nvPr>
+              <p:extLst>
+                <p:ext uri="{386F3935-93C4-4BCD-93E2-E3B085C9AB24}">
+                  <p16:designElem xmlns:p16="http://schemas.microsoft.com/office/powerpoint/2015/main" val="1"/>
+                </p:ext>
+              </p:extLst>
+            </p:nvPr>
+          </p:nvCxnSpPr>
+          <p:spPr>
+            <a:xfrm>
+              <a:off x="7029447" y="3514725"/>
+              <a:ext cx="1285875" cy="0"/>
+            </a:xfrm>
+            <a:prstGeom prst="line">
+              <a:avLst/>
+            </a:prstGeom>
+            <a:ln w="31750" cap="rnd" cmpd="sng">
+              <a:gradFill>
+                <a:gsLst>
+                  <a:gs pos="0">
+                    <a:schemeClr val="tx2">
+                      <a:lumMod val="60000"/>
+                      <a:lumOff val="40000"/>
+                      <a:alpha val="40000"/>
+                    </a:schemeClr>
+                  </a:gs>
+                  <a:gs pos="100000">
+                    <a:schemeClr val="tx2">
+                      <a:lumMod val="50000"/>
+                      <a:alpha val="40000"/>
+                    </a:schemeClr>
+                  </a:gs>
+                </a:gsLst>
+                <a:lin ang="5400000" scaled="1"/>
+              </a:gradFill>
+              <a:prstDash val="sysDot"/>
+              <a:round/>
+            </a:ln>
+          </p:spPr>
+          <p:style>
+            <a:lnRef idx="1">
+              <a:schemeClr val="accent1"/>
+            </a:lnRef>
+            <a:fillRef idx="0">
+              <a:schemeClr val="accent1"/>
+            </a:fillRef>
+            <a:effectRef idx="0">
+              <a:schemeClr val="accent1"/>
+            </a:effectRef>
+            <a:fontRef idx="minor">
+              <a:schemeClr val="tx1"/>
+            </a:fontRef>
+          </p:style>
+        </p:cxnSp>
+        <p:cxnSp>
+          <p:nvCxnSpPr>
+            <p:cNvPr id="44" name="Straight Connector 43">
+              <a:extLst>
+                <a:ext uri="{FF2B5EF4-FFF2-40B4-BE49-F238E27FC236}">
+                  <a16:creationId xmlns:a16="http://schemas.microsoft.com/office/drawing/2014/main" id="{7C119EE6-B01F-4BDA-97B2-8BC244AD9FA8}"/>
+                </a:ext>
+                <a:ext uri="{C183D7F6-B498-43B3-948B-1728B52AA6E4}">
+                  <adec:decorative xmlns:adec="http://schemas.microsoft.com/office/drawing/2017/decorative" val="1"/>
+                </a:ext>
+              </a:extLst>
+            </p:cNvPr>
+            <p:cNvCxnSpPr>
+              <a:cxnSpLocks/>
+            </p:cNvCxnSpPr>
+            <p:nvPr>
+              <p:extLst>
+                <p:ext uri="{386F3935-93C4-4BCD-93E2-E3B085C9AB24}">
+                  <p16:designElem xmlns:p16="http://schemas.microsoft.com/office/powerpoint/2015/main" val="1"/>
+                </p:ext>
+              </p:extLst>
+            </p:nvPr>
+          </p:nvCxnSpPr>
+          <p:spPr>
+            <a:xfrm>
+              <a:off x="7029447" y="3697727"/>
+              <a:ext cx="1285875" cy="0"/>
+            </a:xfrm>
+            <a:prstGeom prst="line">
+              <a:avLst/>
+            </a:prstGeom>
+            <a:ln w="31750" cap="rnd" cmpd="sng">
+              <a:gradFill>
+                <a:gsLst>
+                  <a:gs pos="0">
+                    <a:schemeClr val="tx2">
+                      <a:lumMod val="60000"/>
+                      <a:lumOff val="40000"/>
+                      <a:alpha val="40000"/>
+                    </a:schemeClr>
+                  </a:gs>
+                  <a:gs pos="100000">
+                    <a:schemeClr val="tx2">
+                      <a:lumMod val="50000"/>
+                      <a:alpha val="40000"/>
+                    </a:schemeClr>
+                  </a:gs>
+                </a:gsLst>
+                <a:lin ang="5400000" scaled="1"/>
+              </a:gradFill>
+              <a:prstDash val="sysDot"/>
+              <a:round/>
+            </a:ln>
+          </p:spPr>
+          <p:style>
+            <a:lnRef idx="1">
+              <a:schemeClr val="accent1"/>
+            </a:lnRef>
+            <a:fillRef idx="0">
+              <a:schemeClr val="accent1"/>
+            </a:fillRef>
+            <a:effectRef idx="0">
+              <a:schemeClr val="accent1"/>
+            </a:effectRef>
+            <a:fontRef idx="minor">
+              <a:schemeClr val="tx1"/>
+            </a:fontRef>
+          </p:style>
+        </p:cxnSp>
+        <p:cxnSp>
+          <p:nvCxnSpPr>
+            <p:cNvPr id="45" name="Straight Connector 44">
+              <a:extLst>
+                <a:ext uri="{FF2B5EF4-FFF2-40B4-BE49-F238E27FC236}">
+                  <a16:creationId xmlns:a16="http://schemas.microsoft.com/office/drawing/2014/main" id="{3783EB66-70A8-4451-984C-ABF2410C6AAB}"/>
+                </a:ext>
+                <a:ext uri="{C183D7F6-B498-43B3-948B-1728B52AA6E4}">
+                  <adec:decorative xmlns:adec="http://schemas.microsoft.com/office/drawing/2017/decorative" val="1"/>
+                </a:ext>
+              </a:extLst>
+            </p:cNvPr>
+            <p:cNvCxnSpPr>
+              <a:cxnSpLocks/>
+            </p:cNvCxnSpPr>
+            <p:nvPr>
+              <p:extLst>
+                <p:ext uri="{386F3935-93C4-4BCD-93E2-E3B085C9AB24}">
+                  <p16:designElem xmlns:p16="http://schemas.microsoft.com/office/powerpoint/2015/main" val="1"/>
+                </p:ext>
+              </p:extLst>
+            </p:nvPr>
+          </p:nvCxnSpPr>
+          <p:spPr>
+            <a:xfrm>
+              <a:off x="7029447" y="3880729"/>
+              <a:ext cx="1285875" cy="0"/>
+            </a:xfrm>
+            <a:prstGeom prst="line">
+              <a:avLst/>
+            </a:prstGeom>
+            <a:ln w="31750" cap="rnd" cmpd="sng">
+              <a:gradFill>
+                <a:gsLst>
+                  <a:gs pos="0">
+                    <a:schemeClr val="tx2">
+                      <a:lumMod val="60000"/>
+                      <a:lumOff val="40000"/>
+                      <a:alpha val="40000"/>
+                    </a:schemeClr>
+                  </a:gs>
+                  <a:gs pos="100000">
+                    <a:schemeClr val="tx2">
+                      <a:lumMod val="50000"/>
+                      <a:alpha val="40000"/>
+                    </a:schemeClr>
+                  </a:gs>
+                </a:gsLst>
+                <a:lin ang="5400000" scaled="1"/>
+              </a:gradFill>
+              <a:prstDash val="sysDot"/>
+              <a:round/>
+            </a:ln>
+          </p:spPr>
+          <p:style>
+            <a:lnRef idx="1">
+              <a:schemeClr val="accent1"/>
+            </a:lnRef>
+            <a:fillRef idx="0">
+              <a:schemeClr val="accent1"/>
+            </a:fillRef>
+            <a:effectRef idx="0">
+              <a:schemeClr val="accent1"/>
+            </a:effectRef>
+            <a:fontRef idx="minor">
+              <a:schemeClr val="tx1"/>
+            </a:fontRef>
+          </p:style>
+        </p:cxnSp>
+        <p:cxnSp>
+          <p:nvCxnSpPr>
+            <p:cNvPr id="46" name="Straight Connector 45">
+              <a:extLst>
+                <a:ext uri="{FF2B5EF4-FFF2-40B4-BE49-F238E27FC236}">
+                  <a16:creationId xmlns:a16="http://schemas.microsoft.com/office/drawing/2014/main" id="{3BA8CB1A-B550-452B-BB18-69D43CC92630}"/>
+                </a:ext>
+                <a:ext uri="{C183D7F6-B498-43B3-948B-1728B52AA6E4}">
+                  <adec:decorative xmlns:adec="http://schemas.microsoft.com/office/drawing/2017/decorative" val="1"/>
+                </a:ext>
+              </a:extLst>
+            </p:cNvPr>
+            <p:cNvCxnSpPr>
+              <a:cxnSpLocks/>
+            </p:cNvCxnSpPr>
+            <p:nvPr>
+              <p:extLst>
+                <p:ext uri="{386F3935-93C4-4BCD-93E2-E3B085C9AB24}">
+                  <p16:designElem xmlns:p16="http://schemas.microsoft.com/office/powerpoint/2015/main" val="1"/>
+                </p:ext>
+              </p:extLst>
+            </p:nvPr>
+          </p:nvCxnSpPr>
+          <p:spPr>
+            <a:xfrm>
+              <a:off x="7029447" y="4063732"/>
+              <a:ext cx="1285875" cy="0"/>
+            </a:xfrm>
+            <a:prstGeom prst="line">
+              <a:avLst/>
+            </a:prstGeom>
+            <a:ln w="31750" cap="rnd" cmpd="sng">
+              <a:gradFill>
+                <a:gsLst>
+                  <a:gs pos="0">
+                    <a:schemeClr val="tx2">
+                      <a:lumMod val="60000"/>
+                      <a:lumOff val="40000"/>
+                      <a:alpha val="40000"/>
+                    </a:schemeClr>
+                  </a:gs>
+                  <a:gs pos="100000">
+                    <a:schemeClr val="tx2">
+                      <a:lumMod val="50000"/>
+                      <a:alpha val="40000"/>
+                    </a:schemeClr>
+                  </a:gs>
+                </a:gsLst>
+                <a:lin ang="5400000" scaled="1"/>
+              </a:gradFill>
+              <a:prstDash val="sysDot"/>
+              <a:round/>
+            </a:ln>
+          </p:spPr>
+          <p:style>
+            <a:lnRef idx="1">
+              <a:schemeClr val="accent1"/>
+            </a:lnRef>
+            <a:fillRef idx="0">
+              <a:schemeClr val="accent1"/>
+            </a:fillRef>
+            <a:effectRef idx="0">
+              <a:schemeClr val="accent1"/>
+            </a:effectRef>
+            <a:fontRef idx="minor">
+              <a:schemeClr val="tx1"/>
+            </a:fontRef>
+          </p:style>
+        </p:cxnSp>
+      </p:grpSp>
       <p:pic>
         <p:nvPicPr>
           <p:cNvPr id="5" name="Picture 4" descr="The perfect entertainment snack">
@@ -8527,30 +9547,26 @@
         </p:nvPicPr>
         <p:blipFill rotWithShape="1">
           <a:blip r:embed="rId2">
-            <a:alphaModFix amt="35000"/>
+            <a:duotone>
+              <a:prstClr val="black"/>
+              <a:schemeClr val="bg1">
+                <a:tint val="45000"/>
+                <a:satMod val="400000"/>
+              </a:schemeClr>
+            </a:duotone>
+            <a:alphaModFix amt="25000"/>
           </a:blip>
-          <a:srcRect t="14161" b="1570"/>
+          <a:srcRect t="13494" r="-1" b="901"/>
           <a:stretch/>
         </p:blipFill>
         <p:spPr>
           <a:xfrm>
-            <a:off x="20" y="1"/>
-            <a:ext cx="12191980" cy="6857999"/>
+            <a:off x="749021" y="-2704"/>
+            <a:ext cx="10731726" cy="6132211"/>
           </a:xfrm>
           <a:prstGeom prst="rect">
             <a:avLst/>
           </a:prstGeom>
-          <a:effectLst>
-            <a:glow rad="127000">
-              <a:schemeClr val="bg1"/>
-            </a:glow>
-            <a:outerShdw blurRad="1270000" dir="6600000" sx="105000" sy="105000" algn="ctr" rotWithShape="0">
-              <a:srgbClr val="000000">
-                <a:alpha val="24000"/>
-              </a:srgbClr>
-            </a:outerShdw>
-            <a:softEdge rad="0"/>
-          </a:effectLst>
         </p:spPr>
       </p:pic>
       <p:sp>
@@ -8571,48 +9587,49 @@
         </p:nvSpPr>
         <p:spPr>
           <a:xfrm>
-            <a:off x="838201" y="1065862"/>
-            <a:ext cx="3313164" cy="4726276"/>
+            <a:off x="2457284" y="-14606"/>
+            <a:ext cx="7315200" cy="2912366"/>
           </a:xfrm>
+          <a:noFill/>
         </p:spPr>
         <p:txBody>
-          <a:bodyPr>
+          <a:bodyPr anchor="b">
             <a:normAutofit/>
           </a:bodyPr>
           <a:lstStyle/>
           <a:p>
-            <a:pPr algn="r"/>
+            <a:pPr algn="ctr"/>
             <a:r>
-              <a:rPr lang="en-US" sz="5400" b="1" dirty="0">
+              <a:rPr lang="en-US" sz="6000" b="1" dirty="0">
                 <a:solidFill>
-                  <a:srgbClr val="FFFFFF"/>
+                  <a:schemeClr val="bg1"/>
                 </a:solidFill>
               </a:rPr>
               <a:t>Why Movie Tracker?</a:t>
             </a:r>
-            <a:endParaRPr lang="en-DE" sz="5400" b="1" dirty="0">
+            <a:endParaRPr lang="en-DE" sz="6000" b="1" dirty="0">
               <a:solidFill>
-                <a:srgbClr val="FFFFFF"/>
+                <a:schemeClr val="bg1"/>
               </a:solidFill>
             </a:endParaRPr>
           </a:p>
         </p:txBody>
       </p:sp>
-      <p:cxnSp>
-        <p:nvCxnSpPr>
-          <p:cNvPr id="21" name="Straight Connector 17">
+      <p:grpSp>
+        <p:nvGrpSpPr>
+          <p:cNvPr id="48" name="Group 47">
             <a:extLst>
               <a:ext uri="{FF2B5EF4-FFF2-40B4-BE49-F238E27FC236}">
-                <a16:creationId xmlns:a16="http://schemas.microsoft.com/office/drawing/2014/main" id="{67182200-4859-4C8D-BCBB-55B245C28BA3}"/>
+                <a16:creationId xmlns:a16="http://schemas.microsoft.com/office/drawing/2014/main" id="{F67C7EE6-E29C-4D84-B2C6-7B20A0FDAF23}"/>
               </a:ext>
               <a:ext uri="{C183D7F6-B498-43B3-948B-1728B52AA6E4}">
                 <adec:decorative xmlns:adec="http://schemas.microsoft.com/office/drawing/2017/decorative" val="1"/>
               </a:ext>
             </a:extLst>
           </p:cNvPr>
-          <p:cNvCxnSpPr>
-            <a:cxnSpLocks noGrp="1" noRot="1" noChangeAspect="1" noMove="1" noResize="1" noEditPoints="1" noAdjustHandles="1" noChangeArrowheads="1" noChangeShapeType="1"/>
-          </p:cNvCxnSpPr>
+          <p:cNvGrpSpPr>
+            <a:grpSpLocks noGrp="1" noUngrp="1" noRot="1" noChangeAspect="1" noMove="1" noResize="1"/>
+          </p:cNvGrpSpPr>
           <p:nvPr>
             <p:extLst>
               <p:ext uri="{386F3935-93C4-4BCD-93E2-E3B085C9AB24}">
@@ -8620,39 +9637,295 @@
               </p:ext>
             </p:extLst>
           </p:nvPr>
-        </p:nvCxnSpPr>
-        <p:spPr>
+        </p:nvGrpSpPr>
+        <p:grpSpPr>
           <a:xfrm>
-            <a:off x="4653372" y="2286000"/>
-            <a:ext cx="0" cy="2286000"/>
+            <a:off x="11259539" y="317578"/>
+            <a:ext cx="548640" cy="549007"/>
+            <a:chOff x="7029447" y="3514725"/>
+            <a:chExt cx="1285875" cy="549007"/>
           </a:xfrm>
-          <a:prstGeom prst="line">
-            <a:avLst/>
-          </a:prstGeom>
-          <a:ln w="15875">
-            <a:solidFill>
-              <a:srgbClr val="FFFFFF"/>
-            </a:solidFill>
-          </a:ln>
-        </p:spPr>
-        <p:style>
-          <a:lnRef idx="1">
-            <a:schemeClr val="accent1"/>
-          </a:lnRef>
-          <a:fillRef idx="0">
-            <a:schemeClr val="accent1"/>
-          </a:fillRef>
-          <a:effectRef idx="0">
-            <a:schemeClr val="accent1"/>
-          </a:effectRef>
-          <a:fontRef idx="minor">
-            <a:schemeClr val="tx1"/>
-          </a:fontRef>
-        </p:style>
-      </p:cxnSp>
+        </p:grpSpPr>
+        <p:cxnSp>
+          <p:nvCxnSpPr>
+            <p:cNvPr id="49" name="Straight Connector 48">
+              <a:extLst>
+                <a:ext uri="{FF2B5EF4-FFF2-40B4-BE49-F238E27FC236}">
+                  <a16:creationId xmlns:a16="http://schemas.microsoft.com/office/drawing/2014/main" id="{73C23E94-A2CC-459B-9961-40250DBE618C}"/>
+                </a:ext>
+                <a:ext uri="{C183D7F6-B498-43B3-948B-1728B52AA6E4}">
+                  <adec:decorative xmlns:adec="http://schemas.microsoft.com/office/drawing/2017/decorative" val="1"/>
+                </a:ext>
+              </a:extLst>
+            </p:cNvPr>
+            <p:cNvCxnSpPr>
+              <a:cxnSpLocks/>
+            </p:cNvCxnSpPr>
+            <p:nvPr>
+              <p:extLst>
+                <p:ext uri="{386F3935-93C4-4BCD-93E2-E3B085C9AB24}">
+                  <p16:designElem xmlns:p16="http://schemas.microsoft.com/office/powerpoint/2015/main" val="1"/>
+                </p:ext>
+              </p:extLst>
+            </p:nvPr>
+          </p:nvCxnSpPr>
+          <p:spPr>
+            <a:xfrm>
+              <a:off x="7029447" y="3514725"/>
+              <a:ext cx="1285875" cy="0"/>
+            </a:xfrm>
+            <a:prstGeom prst="line">
+              <a:avLst/>
+            </a:prstGeom>
+            <a:ln w="31750" cap="rnd" cmpd="sng">
+              <a:gradFill>
+                <a:gsLst>
+                  <a:gs pos="0">
+                    <a:schemeClr val="tx2">
+                      <a:lumMod val="60000"/>
+                      <a:lumOff val="40000"/>
+                      <a:alpha val="40000"/>
+                    </a:schemeClr>
+                  </a:gs>
+                  <a:gs pos="100000">
+                    <a:schemeClr val="tx2">
+                      <a:lumMod val="75000"/>
+                      <a:alpha val="40000"/>
+                    </a:schemeClr>
+                  </a:gs>
+                </a:gsLst>
+                <a:lin ang="5400000" scaled="1"/>
+              </a:gradFill>
+              <a:prstDash val="sysDot"/>
+              <a:round/>
+            </a:ln>
+          </p:spPr>
+          <p:style>
+            <a:lnRef idx="1">
+              <a:schemeClr val="accent1"/>
+            </a:lnRef>
+            <a:fillRef idx="0">
+              <a:schemeClr val="accent1"/>
+            </a:fillRef>
+            <a:effectRef idx="0">
+              <a:schemeClr val="accent1"/>
+            </a:effectRef>
+            <a:fontRef idx="minor">
+              <a:schemeClr val="tx1"/>
+            </a:fontRef>
+          </p:style>
+        </p:cxnSp>
+        <p:cxnSp>
+          <p:nvCxnSpPr>
+            <p:cNvPr id="50" name="Straight Connector 49">
+              <a:extLst>
+                <a:ext uri="{FF2B5EF4-FFF2-40B4-BE49-F238E27FC236}">
+                  <a16:creationId xmlns:a16="http://schemas.microsoft.com/office/drawing/2014/main" id="{40DC685A-870A-4F1B-8A06-1DB278981A08}"/>
+                </a:ext>
+                <a:ext uri="{C183D7F6-B498-43B3-948B-1728B52AA6E4}">
+                  <adec:decorative xmlns:adec="http://schemas.microsoft.com/office/drawing/2017/decorative" val="1"/>
+                </a:ext>
+              </a:extLst>
+            </p:cNvPr>
+            <p:cNvCxnSpPr>
+              <a:cxnSpLocks/>
+            </p:cNvCxnSpPr>
+            <p:nvPr>
+              <p:extLst>
+                <p:ext uri="{386F3935-93C4-4BCD-93E2-E3B085C9AB24}">
+                  <p16:designElem xmlns:p16="http://schemas.microsoft.com/office/powerpoint/2015/main" val="1"/>
+                </p:ext>
+              </p:extLst>
+            </p:nvPr>
+          </p:nvCxnSpPr>
+          <p:spPr>
+            <a:xfrm>
+              <a:off x="7029447" y="3697727"/>
+              <a:ext cx="1285875" cy="0"/>
+            </a:xfrm>
+            <a:prstGeom prst="line">
+              <a:avLst/>
+            </a:prstGeom>
+            <a:ln w="31750" cap="rnd" cmpd="sng">
+              <a:gradFill>
+                <a:gsLst>
+                  <a:gs pos="0">
+                    <a:schemeClr val="tx2">
+                      <a:lumMod val="60000"/>
+                      <a:lumOff val="40000"/>
+                      <a:alpha val="40000"/>
+                    </a:schemeClr>
+                  </a:gs>
+                  <a:gs pos="100000">
+                    <a:schemeClr val="tx2">
+                      <a:lumMod val="75000"/>
+                      <a:alpha val="40000"/>
+                    </a:schemeClr>
+                  </a:gs>
+                </a:gsLst>
+                <a:lin ang="5400000" scaled="1"/>
+              </a:gradFill>
+              <a:prstDash val="sysDot"/>
+              <a:round/>
+            </a:ln>
+          </p:spPr>
+          <p:style>
+            <a:lnRef idx="1">
+              <a:schemeClr val="accent1"/>
+            </a:lnRef>
+            <a:fillRef idx="0">
+              <a:schemeClr val="accent1"/>
+            </a:fillRef>
+            <a:effectRef idx="0">
+              <a:schemeClr val="accent1"/>
+            </a:effectRef>
+            <a:fontRef idx="minor">
+              <a:schemeClr val="tx1"/>
+            </a:fontRef>
+          </p:style>
+        </p:cxnSp>
+        <p:cxnSp>
+          <p:nvCxnSpPr>
+            <p:cNvPr id="51" name="Straight Connector 50">
+              <a:extLst>
+                <a:ext uri="{FF2B5EF4-FFF2-40B4-BE49-F238E27FC236}">
+                  <a16:creationId xmlns:a16="http://schemas.microsoft.com/office/drawing/2014/main" id="{ED8F22A6-4F2D-4467-A3A9-A9BE31FC98DF}"/>
+                </a:ext>
+                <a:ext uri="{C183D7F6-B498-43B3-948B-1728B52AA6E4}">
+                  <adec:decorative xmlns:adec="http://schemas.microsoft.com/office/drawing/2017/decorative" val="1"/>
+                </a:ext>
+              </a:extLst>
+            </p:cNvPr>
+            <p:cNvCxnSpPr>
+              <a:cxnSpLocks/>
+            </p:cNvCxnSpPr>
+            <p:nvPr>
+              <p:extLst>
+                <p:ext uri="{386F3935-93C4-4BCD-93E2-E3B085C9AB24}">
+                  <p16:designElem xmlns:p16="http://schemas.microsoft.com/office/powerpoint/2015/main" val="1"/>
+                </p:ext>
+              </p:extLst>
+            </p:nvPr>
+          </p:nvCxnSpPr>
+          <p:spPr>
+            <a:xfrm>
+              <a:off x="7029447" y="3880729"/>
+              <a:ext cx="1285875" cy="0"/>
+            </a:xfrm>
+            <a:prstGeom prst="line">
+              <a:avLst/>
+            </a:prstGeom>
+            <a:ln w="31750" cap="rnd" cmpd="sng">
+              <a:gradFill>
+                <a:gsLst>
+                  <a:gs pos="0">
+                    <a:schemeClr val="tx2">
+                      <a:lumMod val="60000"/>
+                      <a:lumOff val="40000"/>
+                      <a:alpha val="40000"/>
+                    </a:schemeClr>
+                  </a:gs>
+                  <a:gs pos="100000">
+                    <a:schemeClr val="tx2">
+                      <a:lumMod val="75000"/>
+                      <a:alpha val="40000"/>
+                    </a:schemeClr>
+                  </a:gs>
+                </a:gsLst>
+                <a:lin ang="5400000" scaled="1"/>
+              </a:gradFill>
+              <a:prstDash val="sysDot"/>
+              <a:round/>
+            </a:ln>
+          </p:spPr>
+          <p:style>
+            <a:lnRef idx="1">
+              <a:schemeClr val="accent1"/>
+            </a:lnRef>
+            <a:fillRef idx="0">
+              <a:schemeClr val="accent1"/>
+            </a:fillRef>
+            <a:effectRef idx="0">
+              <a:schemeClr val="accent1"/>
+            </a:effectRef>
+            <a:fontRef idx="minor">
+              <a:schemeClr val="tx1"/>
+            </a:fontRef>
+          </p:style>
+        </p:cxnSp>
+        <p:cxnSp>
+          <p:nvCxnSpPr>
+            <p:cNvPr id="52" name="Straight Connector 51">
+              <a:extLst>
+                <a:ext uri="{FF2B5EF4-FFF2-40B4-BE49-F238E27FC236}">
+                  <a16:creationId xmlns:a16="http://schemas.microsoft.com/office/drawing/2014/main" id="{758D5732-C263-4EED-85EF-7E7435EDEFC5}"/>
+                </a:ext>
+                <a:ext uri="{C183D7F6-B498-43B3-948B-1728B52AA6E4}">
+                  <adec:decorative xmlns:adec="http://schemas.microsoft.com/office/drawing/2017/decorative" val="1"/>
+                </a:ext>
+              </a:extLst>
+            </p:cNvPr>
+            <p:cNvCxnSpPr>
+              <a:cxnSpLocks/>
+            </p:cNvCxnSpPr>
+            <p:nvPr>
+              <p:extLst>
+                <p:ext uri="{386F3935-93C4-4BCD-93E2-E3B085C9AB24}">
+                  <p16:designElem xmlns:p16="http://schemas.microsoft.com/office/powerpoint/2015/main" val="1"/>
+                </p:ext>
+              </p:extLst>
+            </p:nvPr>
+          </p:nvCxnSpPr>
+          <p:spPr>
+            <a:xfrm>
+              <a:off x="7029447" y="4063732"/>
+              <a:ext cx="1285875" cy="0"/>
+            </a:xfrm>
+            <a:prstGeom prst="line">
+              <a:avLst/>
+            </a:prstGeom>
+            <a:ln w="31750" cap="rnd" cmpd="sng">
+              <a:gradFill>
+                <a:gsLst>
+                  <a:gs pos="0">
+                    <a:schemeClr val="tx2">
+                      <a:lumMod val="60000"/>
+                      <a:lumOff val="40000"/>
+                      <a:alpha val="40000"/>
+                    </a:schemeClr>
+                  </a:gs>
+                  <a:gs pos="100000">
+                    <a:schemeClr val="tx2">
+                      <a:lumMod val="75000"/>
+                      <a:alpha val="40000"/>
+                    </a:schemeClr>
+                  </a:gs>
+                </a:gsLst>
+                <a:lin ang="5400000" scaled="1"/>
+              </a:gradFill>
+              <a:prstDash val="sysDot"/>
+              <a:round/>
+            </a:ln>
+          </p:spPr>
+          <p:style>
+            <a:lnRef idx="1">
+              <a:schemeClr val="accent1"/>
+            </a:lnRef>
+            <a:fillRef idx="0">
+              <a:schemeClr val="accent1"/>
+            </a:fillRef>
+            <a:effectRef idx="0">
+              <a:schemeClr val="accent1"/>
+            </a:effectRef>
+            <a:fontRef idx="minor">
+              <a:schemeClr val="tx1"/>
+            </a:fontRef>
+          </p:style>
+        </p:cxnSp>
+      </p:grpSp>
       <p:sp>
         <p:nvSpPr>
-          <p:cNvPr id="3" name="Content Placeholder 2">
+          <p:cNvPr id="60" name="Content Placeholder 2">
             <a:extLst>
               <a:ext uri="{FF2B5EF4-FFF2-40B4-BE49-F238E27FC236}">
                 <a16:creationId xmlns:a16="http://schemas.microsoft.com/office/drawing/2014/main" id="{FA29849A-7F1F-4661-85AC-86C083BFB3BA}"/>
@@ -8668,143 +9941,112 @@
         </p:nvSpPr>
         <p:spPr>
           <a:xfrm>
-            <a:off x="4989546" y="658292"/>
-            <a:ext cx="6446051" cy="5541415"/>
+            <a:off x="1241327" y="3712949"/>
+            <a:ext cx="9991748" cy="2747340"/>
           </a:xfrm>
+          <a:noFill/>
         </p:spPr>
         <p:txBody>
-          <a:bodyPr anchor="ctr">
-            <a:normAutofit lnSpcReduction="10000"/>
+          <a:bodyPr anchor="t">
+            <a:normAutofit/>
           </a:bodyPr>
           <a:lstStyle/>
           <a:p>
+            <a:pPr algn="ctr">
+              <a:buFontTx/>
+              <a:buChar char="-"/>
+            </a:pPr>
             <a:r>
-              <a:rPr lang="en-US" dirty="0">
+              <a:rPr lang="en-US" sz="2400" b="1" dirty="0">
                 <a:solidFill>
-                  <a:srgbClr val="FFFFFF"/>
+                  <a:schemeClr val="bg1"/>
                 </a:solidFill>
               </a:rPr>
-              <a:t>Spending a lot of time to decide which movie to watch is annoying :/</a:t>
+              <a:t>To make it easier for people to view their favorite movies as organized lists.</a:t>
             </a:r>
             <a:br>
-              <a:rPr lang="en-US" dirty="0">
+              <a:rPr lang="en-US" sz="2400" b="1" dirty="0">
                 <a:solidFill>
-                  <a:srgbClr val="FFFFFF"/>
+                  <a:schemeClr val="bg1"/>
                 </a:solidFill>
               </a:rPr>
             </a:br>
-            <a:endParaRPr lang="en-US" dirty="0">
+            <a:endParaRPr lang="en-US" sz="2400" b="1" dirty="0">
               <a:solidFill>
-                <a:srgbClr val="FFFFFF"/>
+                <a:schemeClr val="bg1"/>
               </a:solidFill>
             </a:endParaRPr>
           </a:p>
           <a:p>
-            <a:r>
-              <a:rPr lang="en-US" dirty="0">
-                <a:solidFill>
-                  <a:srgbClr val="FFFFFF"/>
-                </a:solidFill>
-              </a:rPr>
-              <a:t>We created this Web App  to:</a:t>
-            </a:r>
-          </a:p>
-          <a:p>
-            <a:pPr>
+            <a:pPr algn="ctr">
               <a:buFontTx/>
               <a:buChar char="-"/>
             </a:pPr>
             <a:r>
-              <a:rPr lang="en-US" dirty="0">
+              <a:rPr lang="en-US" sz="2400" b="1" dirty="0">
                 <a:solidFill>
-                  <a:srgbClr val="FFFFFF"/>
+                  <a:schemeClr val="bg1"/>
                 </a:solidFill>
               </a:rPr>
-              <a:t>make it easier for people to view their favorite movies as organized lists.</a:t>
+              <a:t>To get in touch with the latest trending movies.</a:t>
             </a:r>
             <a:br>
-              <a:rPr lang="en-US" dirty="0">
+              <a:rPr lang="en-US" sz="2400" b="1" dirty="0">
                 <a:solidFill>
-                  <a:srgbClr val="FFFFFF"/>
+                  <a:schemeClr val="bg1"/>
                 </a:solidFill>
               </a:rPr>
             </a:br>
-            <a:endParaRPr lang="en-US" dirty="0">
+            <a:endParaRPr lang="en-US" sz="2400" b="1" dirty="0">
               <a:solidFill>
-                <a:srgbClr val="FFFFFF"/>
+                <a:schemeClr val="bg1"/>
               </a:solidFill>
             </a:endParaRPr>
           </a:p>
           <a:p>
-            <a:pPr>
+            <a:pPr algn="ctr">
               <a:buFontTx/>
               <a:buChar char="-"/>
             </a:pPr>
             <a:r>
-              <a:rPr lang="en-US" dirty="0">
+              <a:rPr lang="en-US" sz="2400" b="1" dirty="0">
                 <a:solidFill>
-                  <a:srgbClr val="FFFFFF"/>
+                  <a:schemeClr val="bg1"/>
                 </a:solidFill>
               </a:rPr>
-              <a:t>get in touch with the latest trending upcoming movies.</a:t>
-            </a:r>
-            <a:br>
-              <a:rPr lang="en-US" dirty="0">
-                <a:solidFill>
-                  <a:srgbClr val="FFFFFF"/>
-                </a:solidFill>
-              </a:rPr>
-            </a:br>
-            <a:endParaRPr lang="en-US" dirty="0">
-              <a:solidFill>
-                <a:srgbClr val="FFFFFF"/>
-              </a:solidFill>
-            </a:endParaRPr>
-          </a:p>
-          <a:p>
-            <a:pPr>
-              <a:buFontTx/>
-              <a:buChar char="-"/>
-            </a:pPr>
-            <a:r>
-              <a:rPr lang="en-US" dirty="0">
-                <a:solidFill>
-                  <a:srgbClr val="FFFFFF"/>
-                </a:solidFill>
-              </a:rPr>
-              <a:t>make your own personal </a:t>
+              <a:t>To make your own personal </a:t>
             </a:r>
             <a:r>
-              <a:rPr lang="en-US" dirty="0" err="1">
+              <a:rPr lang="en-US" sz="2400" b="1" dirty="0" err="1">
                 <a:solidFill>
-                  <a:srgbClr val="FFFFFF"/>
+                  <a:schemeClr val="bg1"/>
                 </a:solidFill>
               </a:rPr>
               <a:t>watchList</a:t>
             </a:r>
             <a:r>
-              <a:rPr lang="en-US" dirty="0">
+              <a:rPr lang="en-US" sz="2400" b="1" dirty="0">
                 <a:solidFill>
-                  <a:srgbClr val="FFFFFF"/>
+                  <a:schemeClr val="bg1"/>
                 </a:solidFill>
               </a:rPr>
               <a:t> and </a:t>
             </a:r>
             <a:r>
-              <a:rPr lang="en-US" dirty="0" err="1">
+              <a:rPr lang="en-US" sz="2400" b="1" dirty="0" err="1">
                 <a:solidFill>
-                  <a:srgbClr val="FFFFFF"/>
+                  <a:schemeClr val="bg1"/>
                 </a:solidFill>
               </a:rPr>
               <a:t>favoriteList</a:t>
             </a:r>
             <a:r>
-              <a:rPr lang="en-US" dirty="0">
+              <a:rPr lang="en-US" sz="2400" b="1" dirty="0">
                 <a:solidFill>
-                  <a:srgbClr val="FFFFFF"/>
+                  <a:schemeClr val="bg1"/>
                 </a:solidFill>
               </a:rPr>
-              <a:t> giving you a better experience.</a:t>
+              <a:t>.</a:t>
             </a:r>
           </a:p>
         </p:txBody>
@@ -8817,7 +10059,7 @@
     </p:extLst>
   </p:cSld>
   <p:clrMapOvr>
-    <a:overrideClrMapping bg1="dk1" tx1="lt1" bg2="dk2" tx2="lt2" accent1="accent1" accent2="accent2" accent3="accent3" accent4="accent4" accent5="accent5" accent6="accent6" hlink="hlink" folHlink="folHlink"/>
+    <a:masterClrMapping/>
   </p:clrMapOvr>
 </p:sld>
 </file>
